--- a/documentatie/po presentaties/Po meet 1.pptx
+++ b/documentatie/po presentaties/Po meet 1.pptx
@@ -197,7 +197,7 @@
           <a:noFill/>
           <a:extLst>
             <a:ext uri="{909E8E84-426E-40dd-AFC4-6F175D3DCCD1}">
-              <a14:hiddenFill xmlns="" xmlns:a14="http://schemas.microsoft.com/office/drawing/2010/main">
+              <a14:hiddenFill xmlns:a14="http://schemas.microsoft.com/office/drawing/2010/main" xmlns="">
                 <a:solidFill>
                   <a:srgbClr val="FFFFFF"/>
                 </a:solidFill>
@@ -257,7 +257,7 @@
             </a:ln>
             <a:extLst>
               <a:ext uri="{91240B29-F687-4f45-9708-019B960494DF}">
-                <a14:hiddenLine xmlns="" xmlns:a14="http://schemas.microsoft.com/office/drawing/2010/main" w="9525">
+                <a14:hiddenLine xmlns:a14="http://schemas.microsoft.com/office/drawing/2010/main" xmlns="" w="9525">
                   <a:solidFill>
                     <a:srgbClr val="000000"/>
                   </a:solidFill>
@@ -347,7 +347,7 @@
             </a:ln>
             <a:extLst>
               <a:ext uri="{91240B29-F687-4f45-9708-019B960494DF}">
-                <a14:hiddenLine xmlns="" xmlns:a14="http://schemas.microsoft.com/office/drawing/2010/main" w="9525">
+                <a14:hiddenLine xmlns:a14="http://schemas.microsoft.com/office/drawing/2010/main" xmlns="" w="9525">
                   <a:solidFill>
                     <a:srgbClr val="000000"/>
                   </a:solidFill>
@@ -437,7 +437,7 @@
             </a:ln>
             <a:extLst>
               <a:ext uri="{91240B29-F687-4f45-9708-019B960494DF}">
-                <a14:hiddenLine xmlns="" xmlns:a14="http://schemas.microsoft.com/office/drawing/2010/main" w="9525">
+                <a14:hiddenLine xmlns:a14="http://schemas.microsoft.com/office/drawing/2010/main" xmlns="" w="9525">
                   <a:solidFill>
                     <a:srgbClr val="000000"/>
                   </a:solidFill>
@@ -471,7 +471,7 @@
             </a:ln>
             <a:extLst>
               <a:ext uri="{91240B29-F687-4f45-9708-019B960494DF}">
-                <a14:hiddenLine xmlns="" xmlns:a14="http://schemas.microsoft.com/office/drawing/2010/main" w="9525">
+                <a14:hiddenLine xmlns:a14="http://schemas.microsoft.com/office/drawing/2010/main" xmlns="" w="9525">
                   <a:solidFill>
                     <a:srgbClr val="000000"/>
                   </a:solidFill>
@@ -561,7 +561,7 @@
             </a:ln>
             <a:extLst>
               <a:ext uri="{91240B29-F687-4f45-9708-019B960494DF}">
-                <a14:hiddenLine xmlns="" xmlns:a14="http://schemas.microsoft.com/office/drawing/2010/main" w="9525">
+                <a14:hiddenLine xmlns:a14="http://schemas.microsoft.com/office/drawing/2010/main" xmlns="" w="9525">
                   <a:solidFill>
                     <a:srgbClr val="000000"/>
                   </a:solidFill>
@@ -623,7 +623,7 @@
             </a:ln>
             <a:extLst>
               <a:ext uri="{91240B29-F687-4f45-9708-019B960494DF}">
-                <a14:hiddenLine xmlns="" xmlns:a14="http://schemas.microsoft.com/office/drawing/2010/main" w="9525">
+                <a14:hiddenLine xmlns:a14="http://schemas.microsoft.com/office/drawing/2010/main" xmlns="" w="9525">
                   <a:solidFill>
                     <a:srgbClr val="000000"/>
                   </a:solidFill>
@@ -685,7 +685,7 @@
             </a:ln>
             <a:extLst>
               <a:ext uri="{91240B29-F687-4f45-9708-019B960494DF}">
-                <a14:hiddenLine xmlns="" xmlns:a14="http://schemas.microsoft.com/office/drawing/2010/main" w="9525">
+                <a14:hiddenLine xmlns:a14="http://schemas.microsoft.com/office/drawing/2010/main" xmlns="" w="9525">
                   <a:solidFill>
                     <a:srgbClr val="000000"/>
                   </a:solidFill>
@@ -775,7 +775,7 @@
             </a:ln>
             <a:extLst>
               <a:ext uri="{91240B29-F687-4f45-9708-019B960494DF}">
-                <a14:hiddenLine xmlns="" xmlns:a14="http://schemas.microsoft.com/office/drawing/2010/main" w="9525">
+                <a14:hiddenLine xmlns:a14="http://schemas.microsoft.com/office/drawing/2010/main" xmlns="" w="9525">
                   <a:solidFill>
                     <a:srgbClr val="000000"/>
                   </a:solidFill>
@@ -837,7 +837,7 @@
             </a:ln>
             <a:extLst>
               <a:ext uri="{91240B29-F687-4f45-9708-019B960494DF}">
-                <a14:hiddenLine xmlns="" xmlns:a14="http://schemas.microsoft.com/office/drawing/2010/main" w="9525">
+                <a14:hiddenLine xmlns:a14="http://schemas.microsoft.com/office/drawing/2010/main" xmlns="" w="9525">
                   <a:solidFill>
                     <a:srgbClr val="000000"/>
                   </a:solidFill>
@@ -899,7 +899,7 @@
             </a:ln>
             <a:extLst>
               <a:ext uri="{91240B29-F687-4f45-9708-019B960494DF}">
-                <a14:hiddenLine xmlns="" xmlns:a14="http://schemas.microsoft.com/office/drawing/2010/main" w="9525">
+                <a14:hiddenLine xmlns:a14="http://schemas.microsoft.com/office/drawing/2010/main" xmlns="" w="9525">
                   <a:solidFill>
                     <a:srgbClr val="000000"/>
                   </a:solidFill>
@@ -989,7 +989,7 @@
             </a:ln>
             <a:extLst>
               <a:ext uri="{91240B29-F687-4f45-9708-019B960494DF}">
-                <a14:hiddenLine xmlns="" xmlns:a14="http://schemas.microsoft.com/office/drawing/2010/main" w="9525">
+                <a14:hiddenLine xmlns:a14="http://schemas.microsoft.com/office/drawing/2010/main" xmlns="" w="9525">
                   <a:solidFill>
                     <a:srgbClr val="000000"/>
                   </a:solidFill>
@@ -1079,7 +1079,7 @@
             </a:ln>
             <a:extLst>
               <a:ext uri="{91240B29-F687-4f45-9708-019B960494DF}">
-                <a14:hiddenLine xmlns="" xmlns:a14="http://schemas.microsoft.com/office/drawing/2010/main" w="9525">
+                <a14:hiddenLine xmlns:a14="http://schemas.microsoft.com/office/drawing/2010/main" xmlns="" w="9525">
                   <a:solidFill>
                     <a:srgbClr val="000000"/>
                   </a:solidFill>
@@ -1141,7 +1141,7 @@
             </a:ln>
             <a:extLst>
               <a:ext uri="{91240B29-F687-4f45-9708-019B960494DF}">
-                <a14:hiddenLine xmlns="" xmlns:a14="http://schemas.microsoft.com/office/drawing/2010/main" w="9525">
+                <a14:hiddenLine xmlns:a14="http://schemas.microsoft.com/office/drawing/2010/main" xmlns="" w="9525">
                   <a:solidFill>
                     <a:srgbClr val="000000"/>
                   </a:solidFill>
@@ -1251,7 +1251,7 @@
             </a:ln>
             <a:extLst>
               <a:ext uri="{91240B29-F687-4f45-9708-019B960494DF}">
-                <a14:hiddenLine xmlns="" xmlns:a14="http://schemas.microsoft.com/office/drawing/2010/main" w="9525">
+                <a14:hiddenLine xmlns:a14="http://schemas.microsoft.com/office/drawing/2010/main" xmlns="" w="9525">
                   <a:solidFill>
                     <a:srgbClr val="000000"/>
                   </a:solidFill>
@@ -1313,7 +1313,7 @@
             </a:ln>
             <a:extLst>
               <a:ext uri="{91240B29-F687-4f45-9708-019B960494DF}">
-                <a14:hiddenLine xmlns="" xmlns:a14="http://schemas.microsoft.com/office/drawing/2010/main" w="9525">
+                <a14:hiddenLine xmlns:a14="http://schemas.microsoft.com/office/drawing/2010/main" xmlns="" w="9525">
                   <a:solidFill>
                     <a:srgbClr val="000000"/>
                   </a:solidFill>
@@ -1403,7 +1403,7 @@
             </a:ln>
             <a:extLst>
               <a:ext uri="{91240B29-F687-4f45-9708-019B960494DF}">
-                <a14:hiddenLine xmlns="" xmlns:a14="http://schemas.microsoft.com/office/drawing/2010/main" w="9525">
+                <a14:hiddenLine xmlns:a14="http://schemas.microsoft.com/office/drawing/2010/main" xmlns="" w="9525">
                   <a:solidFill>
                     <a:srgbClr val="000000"/>
                   </a:solidFill>
@@ -1493,7 +1493,7 @@
             </a:ln>
             <a:extLst>
               <a:ext uri="{91240B29-F687-4f45-9708-019B960494DF}">
-                <a14:hiddenLine xmlns="" xmlns:a14="http://schemas.microsoft.com/office/drawing/2010/main" w="9525">
+                <a14:hiddenLine xmlns:a14="http://schemas.microsoft.com/office/drawing/2010/main" xmlns="" w="9525">
                   <a:solidFill>
                     <a:srgbClr val="000000"/>
                   </a:solidFill>
@@ -1555,7 +1555,7 @@
             </a:ln>
             <a:extLst>
               <a:ext uri="{91240B29-F687-4f45-9708-019B960494DF}">
-                <a14:hiddenLine xmlns="" xmlns:a14="http://schemas.microsoft.com/office/drawing/2010/main" w="9525">
+                <a14:hiddenLine xmlns:a14="http://schemas.microsoft.com/office/drawing/2010/main" xmlns="" w="9525">
                   <a:solidFill>
                     <a:srgbClr val="000000"/>
                   </a:solidFill>
@@ -1645,7 +1645,7 @@
             </a:ln>
             <a:extLst>
               <a:ext uri="{91240B29-F687-4f45-9708-019B960494DF}">
-                <a14:hiddenLine xmlns="" xmlns:a14="http://schemas.microsoft.com/office/drawing/2010/main" w="9525">
+                <a14:hiddenLine xmlns:a14="http://schemas.microsoft.com/office/drawing/2010/main" xmlns="" w="9525">
                   <a:solidFill>
                     <a:srgbClr val="000000"/>
                   </a:solidFill>
@@ -1735,7 +1735,7 @@
             </a:ln>
             <a:extLst>
               <a:ext uri="{91240B29-F687-4f45-9708-019B960494DF}">
-                <a14:hiddenLine xmlns="" xmlns:a14="http://schemas.microsoft.com/office/drawing/2010/main" w="9525">
+                <a14:hiddenLine xmlns:a14="http://schemas.microsoft.com/office/drawing/2010/main" xmlns="" w="9525">
                   <a:solidFill>
                     <a:srgbClr val="000000"/>
                   </a:solidFill>
@@ -1791,7 +1791,7 @@
             </a:ln>
             <a:extLst>
               <a:ext uri="{91240B29-F687-4f45-9708-019B960494DF}">
-                <a14:hiddenLine xmlns="" xmlns:a14="http://schemas.microsoft.com/office/drawing/2010/main" w="9525">
+                <a14:hiddenLine xmlns:a14="http://schemas.microsoft.com/office/drawing/2010/main" xmlns="" w="9525">
                   <a:solidFill>
                     <a:srgbClr val="000000"/>
                   </a:solidFill>
@@ -1881,7 +1881,7 @@
             </a:ln>
             <a:extLst>
               <a:ext uri="{91240B29-F687-4f45-9708-019B960494DF}">
-                <a14:hiddenLine xmlns="" xmlns:a14="http://schemas.microsoft.com/office/drawing/2010/main" w="9525">
+                <a14:hiddenLine xmlns:a14="http://schemas.microsoft.com/office/drawing/2010/main" xmlns="" w="9525">
                   <a:solidFill>
                     <a:srgbClr val="000000"/>
                   </a:solidFill>
@@ -1937,7 +1937,7 @@
             </a:ln>
             <a:extLst>
               <a:ext uri="{91240B29-F687-4f45-9708-019B960494DF}">
-                <a14:hiddenLine xmlns="" xmlns:a14="http://schemas.microsoft.com/office/drawing/2010/main" w="9525">
+                <a14:hiddenLine xmlns:a14="http://schemas.microsoft.com/office/drawing/2010/main" xmlns="" w="9525">
                   <a:solidFill>
                     <a:srgbClr val="000000"/>
                   </a:solidFill>
@@ -2027,7 +2027,7 @@
             </a:ln>
             <a:extLst>
               <a:ext uri="{91240B29-F687-4f45-9708-019B960494DF}">
-                <a14:hiddenLine xmlns="" xmlns:a14="http://schemas.microsoft.com/office/drawing/2010/main" w="9525">
+                <a14:hiddenLine xmlns:a14="http://schemas.microsoft.com/office/drawing/2010/main" xmlns="" w="9525">
                   <a:solidFill>
                     <a:srgbClr val="000000"/>
                   </a:solidFill>
@@ -2095,7 +2095,7 @@
             </a:ln>
             <a:extLst>
               <a:ext uri="{91240B29-F687-4f45-9708-019B960494DF}">
-                <a14:hiddenLine xmlns="" xmlns:a14="http://schemas.microsoft.com/office/drawing/2010/main" w="9525">
+                <a14:hiddenLine xmlns:a14="http://schemas.microsoft.com/office/drawing/2010/main" xmlns="" w="9525">
                   <a:solidFill>
                     <a:srgbClr val="000000"/>
                   </a:solidFill>
@@ -2185,7 +2185,7 @@
             </a:ln>
             <a:extLst>
               <a:ext uri="{91240B29-F687-4f45-9708-019B960494DF}">
-                <a14:hiddenLine xmlns="" xmlns:a14="http://schemas.microsoft.com/office/drawing/2010/main" w="9525">
+                <a14:hiddenLine xmlns:a14="http://schemas.microsoft.com/office/drawing/2010/main" xmlns="" w="9525">
                   <a:solidFill>
                     <a:srgbClr val="000000"/>
                   </a:solidFill>
@@ -2253,7 +2253,7 @@
             </a:ln>
             <a:extLst>
               <a:ext uri="{91240B29-F687-4f45-9708-019B960494DF}">
-                <a14:hiddenLine xmlns="" xmlns:a14="http://schemas.microsoft.com/office/drawing/2010/main" w="9525">
+                <a14:hiddenLine xmlns:a14="http://schemas.microsoft.com/office/drawing/2010/main" xmlns="" w="9525">
                   <a:solidFill>
                     <a:srgbClr val="000000"/>
                   </a:solidFill>
@@ -2343,7 +2343,7 @@
             </a:ln>
             <a:extLst>
               <a:ext uri="{91240B29-F687-4f45-9708-019B960494DF}">
-                <a14:hiddenLine xmlns="" xmlns:a14="http://schemas.microsoft.com/office/drawing/2010/main" w="9525">
+                <a14:hiddenLine xmlns:a14="http://schemas.microsoft.com/office/drawing/2010/main" xmlns="" w="9525">
                   <a:solidFill>
                     <a:srgbClr val="000000"/>
                   </a:solidFill>
@@ -2377,7 +2377,7 @@
             </a:ln>
             <a:extLst>
               <a:ext uri="{91240B29-F687-4f45-9708-019B960494DF}">
-                <a14:hiddenLine xmlns="" xmlns:a14="http://schemas.microsoft.com/office/drawing/2010/main" w="9525">
+                <a14:hiddenLine xmlns:a14="http://schemas.microsoft.com/office/drawing/2010/main" xmlns="" w="9525">
                   <a:solidFill>
                     <a:srgbClr val="000000"/>
                   </a:solidFill>
@@ -2467,7 +2467,7 @@
             </a:ln>
             <a:extLst>
               <a:ext uri="{91240B29-F687-4f45-9708-019B960494DF}">
-                <a14:hiddenLine xmlns="" xmlns:a14="http://schemas.microsoft.com/office/drawing/2010/main" w="9525">
+                <a14:hiddenLine xmlns:a14="http://schemas.microsoft.com/office/drawing/2010/main" xmlns="" w="9525">
                   <a:solidFill>
                     <a:srgbClr val="000000"/>
                   </a:solidFill>
@@ -2529,7 +2529,7 @@
             </a:ln>
             <a:extLst>
               <a:ext uri="{91240B29-F687-4f45-9708-019B960494DF}">
-                <a14:hiddenLine xmlns="" xmlns:a14="http://schemas.microsoft.com/office/drawing/2010/main" w="9525">
+                <a14:hiddenLine xmlns:a14="http://schemas.microsoft.com/office/drawing/2010/main" xmlns="" w="9525">
                   <a:solidFill>
                     <a:srgbClr val="000000"/>
                   </a:solidFill>
@@ -2591,7 +2591,7 @@
             </a:ln>
             <a:extLst>
               <a:ext uri="{91240B29-F687-4f45-9708-019B960494DF}">
-                <a14:hiddenLine xmlns="" xmlns:a14="http://schemas.microsoft.com/office/drawing/2010/main" w="9525">
+                <a14:hiddenLine xmlns:a14="http://schemas.microsoft.com/office/drawing/2010/main" xmlns="" w="9525">
                   <a:solidFill>
                     <a:srgbClr val="000000"/>
                   </a:solidFill>
@@ -2681,7 +2681,7 @@
             </a:ln>
             <a:extLst>
               <a:ext uri="{91240B29-F687-4f45-9708-019B960494DF}">
-                <a14:hiddenLine xmlns="" xmlns:a14="http://schemas.microsoft.com/office/drawing/2010/main" w="9525">
+                <a14:hiddenLine xmlns:a14="http://schemas.microsoft.com/office/drawing/2010/main" xmlns="" w="9525">
                   <a:solidFill>
                     <a:srgbClr val="000000"/>
                   </a:solidFill>
@@ -2749,7 +2749,7 @@
             </a:ln>
             <a:extLst>
               <a:ext uri="{91240B29-F687-4f45-9708-019B960494DF}">
-                <a14:hiddenLine xmlns="" xmlns:a14="http://schemas.microsoft.com/office/drawing/2010/main" w="9525">
+                <a14:hiddenLine xmlns:a14="http://schemas.microsoft.com/office/drawing/2010/main" xmlns="" w="9525">
                   <a:solidFill>
                     <a:srgbClr val="000000"/>
                   </a:solidFill>
@@ -2811,7 +2811,7 @@
             </a:ln>
             <a:extLst>
               <a:ext uri="{91240B29-F687-4f45-9708-019B960494DF}">
-                <a14:hiddenLine xmlns="" xmlns:a14="http://schemas.microsoft.com/office/drawing/2010/main" w="9525">
+                <a14:hiddenLine xmlns:a14="http://schemas.microsoft.com/office/drawing/2010/main" xmlns="" w="9525">
                   <a:solidFill>
                     <a:srgbClr val="000000"/>
                   </a:solidFill>
@@ -2901,7 +2901,7 @@
             </a:ln>
             <a:extLst>
               <a:ext uri="{91240B29-F687-4f45-9708-019B960494DF}">
-                <a14:hiddenLine xmlns="" xmlns:a14="http://schemas.microsoft.com/office/drawing/2010/main" w="9525">
+                <a14:hiddenLine xmlns:a14="http://schemas.microsoft.com/office/drawing/2010/main" xmlns="" w="9525">
                   <a:solidFill>
                     <a:srgbClr val="000000"/>
                   </a:solidFill>
@@ -2963,7 +2963,7 @@
             </a:ln>
             <a:extLst>
               <a:ext uri="{91240B29-F687-4f45-9708-019B960494DF}">
-                <a14:hiddenLine xmlns="" xmlns:a14="http://schemas.microsoft.com/office/drawing/2010/main" w="9525">
+                <a14:hiddenLine xmlns:a14="http://schemas.microsoft.com/office/drawing/2010/main" xmlns="" w="9525">
                   <a:solidFill>
                     <a:srgbClr val="000000"/>
                   </a:solidFill>
@@ -3053,7 +3053,7 @@
             </a:ln>
             <a:extLst>
               <a:ext uri="{91240B29-F687-4f45-9708-019B960494DF}">
-                <a14:hiddenLine xmlns="" xmlns:a14="http://schemas.microsoft.com/office/drawing/2010/main" w="9525">
+                <a14:hiddenLine xmlns:a14="http://schemas.microsoft.com/office/drawing/2010/main" xmlns="" w="9525">
                   <a:solidFill>
                     <a:srgbClr val="000000"/>
                   </a:solidFill>
@@ -3115,7 +3115,7 @@
             </a:ln>
             <a:extLst>
               <a:ext uri="{91240B29-F687-4f45-9708-019B960494DF}">
-                <a14:hiddenLine xmlns="" xmlns:a14="http://schemas.microsoft.com/office/drawing/2010/main" w="9525">
+                <a14:hiddenLine xmlns:a14="http://schemas.microsoft.com/office/drawing/2010/main" xmlns="" w="9525">
                   <a:solidFill>
                     <a:srgbClr val="000000"/>
                   </a:solidFill>
@@ -3205,7 +3205,7 @@
             </a:ln>
             <a:extLst>
               <a:ext uri="{91240B29-F687-4f45-9708-019B960494DF}">
-                <a14:hiddenLine xmlns="" xmlns:a14="http://schemas.microsoft.com/office/drawing/2010/main" w="9525">
+                <a14:hiddenLine xmlns:a14="http://schemas.microsoft.com/office/drawing/2010/main" xmlns="" w="9525">
                   <a:solidFill>
                     <a:srgbClr val="000000"/>
                   </a:solidFill>
@@ -3239,7 +3239,7 @@
             </a:ln>
             <a:extLst>
               <a:ext uri="{91240B29-F687-4f45-9708-019B960494DF}">
-                <a14:hiddenLine xmlns="" xmlns:a14="http://schemas.microsoft.com/office/drawing/2010/main" w="9525">
+                <a14:hiddenLine xmlns:a14="http://schemas.microsoft.com/office/drawing/2010/main" xmlns="" w="9525">
                   <a:solidFill>
                     <a:srgbClr val="000000"/>
                   </a:solidFill>
@@ -3304,7 +3304,7 @@
             </a:ln>
             <a:extLst>
               <a:ext uri="{91240B29-F687-4f45-9708-019B960494DF}">
-                <a14:hiddenLine xmlns="" xmlns:a14="http://schemas.microsoft.com/office/drawing/2010/main" w="9525">
+                <a14:hiddenLine xmlns:a14="http://schemas.microsoft.com/office/drawing/2010/main" xmlns="" w="9525">
                   <a:solidFill>
                     <a:srgbClr val="000000"/>
                   </a:solidFill>
@@ -3394,7 +3394,7 @@
             </a:ln>
             <a:extLst>
               <a:ext uri="{91240B29-F687-4f45-9708-019B960494DF}">
-                <a14:hiddenLine xmlns="" xmlns:a14="http://schemas.microsoft.com/office/drawing/2010/main" w="9525">
+                <a14:hiddenLine xmlns:a14="http://schemas.microsoft.com/office/drawing/2010/main" xmlns="" w="9525">
                   <a:solidFill>
                     <a:srgbClr val="000000"/>
                   </a:solidFill>
@@ -3456,7 +3456,7 @@
             </a:ln>
             <a:extLst>
               <a:ext uri="{91240B29-F687-4f45-9708-019B960494DF}">
-                <a14:hiddenLine xmlns="" xmlns:a14="http://schemas.microsoft.com/office/drawing/2010/main" w="9525">
+                <a14:hiddenLine xmlns:a14="http://schemas.microsoft.com/office/drawing/2010/main" xmlns="" w="9525">
                   <a:solidFill>
                     <a:srgbClr val="000000"/>
                   </a:solidFill>
@@ -3546,7 +3546,7 @@
             </a:ln>
             <a:extLst>
               <a:ext uri="{91240B29-F687-4f45-9708-019B960494DF}">
-                <a14:hiddenLine xmlns="" xmlns:a14="http://schemas.microsoft.com/office/drawing/2010/main" w="9525">
+                <a14:hiddenLine xmlns:a14="http://schemas.microsoft.com/office/drawing/2010/main" xmlns="" w="9525">
                   <a:solidFill>
                     <a:srgbClr val="000000"/>
                   </a:solidFill>
@@ -3636,7 +3636,7 @@
             </a:ln>
             <a:extLst>
               <a:ext uri="{91240B29-F687-4f45-9708-019B960494DF}">
-                <a14:hiddenLine xmlns="" xmlns:a14="http://schemas.microsoft.com/office/drawing/2010/main" w="9525">
+                <a14:hiddenLine xmlns:a14="http://schemas.microsoft.com/office/drawing/2010/main" xmlns="" w="9525">
                   <a:solidFill>
                     <a:srgbClr val="000000"/>
                   </a:solidFill>
@@ -3701,7 +3701,7 @@
             </a:ln>
             <a:extLst>
               <a:ext uri="{91240B29-F687-4f45-9708-019B960494DF}">
-                <a14:hiddenLine xmlns="" xmlns:a14="http://schemas.microsoft.com/office/drawing/2010/main" w="9525">
+                <a14:hiddenLine xmlns:a14="http://schemas.microsoft.com/office/drawing/2010/main" xmlns="" w="9525">
                   <a:solidFill>
                     <a:srgbClr val="000000"/>
                   </a:solidFill>
@@ -3763,7 +3763,7 @@
             </a:ln>
             <a:extLst>
               <a:ext uri="{91240B29-F687-4f45-9708-019B960494DF}">
-                <a14:hiddenLine xmlns="" xmlns:a14="http://schemas.microsoft.com/office/drawing/2010/main" w="9525">
+                <a14:hiddenLine xmlns:a14="http://schemas.microsoft.com/office/drawing/2010/main" xmlns="" w="9525">
                   <a:solidFill>
                     <a:srgbClr val="000000"/>
                   </a:solidFill>
@@ -3853,7 +3853,7 @@
             </a:ln>
             <a:extLst>
               <a:ext uri="{91240B29-F687-4f45-9708-019B960494DF}">
-                <a14:hiddenLine xmlns="" xmlns:a14="http://schemas.microsoft.com/office/drawing/2010/main" w="9525">
+                <a14:hiddenLine xmlns:a14="http://schemas.microsoft.com/office/drawing/2010/main" xmlns="" w="9525">
                   <a:solidFill>
                     <a:srgbClr val="000000"/>
                   </a:solidFill>
@@ -3943,7 +3943,7 @@
             </a:ln>
             <a:extLst>
               <a:ext uri="{91240B29-F687-4f45-9708-019B960494DF}">
-                <a14:hiddenLine xmlns="" xmlns:a14="http://schemas.microsoft.com/office/drawing/2010/main" w="9525">
+                <a14:hiddenLine xmlns:a14="http://schemas.microsoft.com/office/drawing/2010/main" xmlns="" w="9525">
                   <a:solidFill>
                     <a:srgbClr val="000000"/>
                   </a:solidFill>
@@ -4005,7 +4005,7 @@
             </a:ln>
             <a:extLst>
               <a:ext uri="{91240B29-F687-4f45-9708-019B960494DF}">
-                <a14:hiddenLine xmlns="" xmlns:a14="http://schemas.microsoft.com/office/drawing/2010/main" w="9525">
+                <a14:hiddenLine xmlns:a14="http://schemas.microsoft.com/office/drawing/2010/main" xmlns="" w="9525">
                   <a:solidFill>
                     <a:srgbClr val="000000"/>
                   </a:solidFill>
@@ -4125,7 +4125,7 @@
             </a:ln>
             <a:extLst>
               <a:ext uri="{91240B29-F687-4f45-9708-019B960494DF}">
-                <a14:hiddenLine xmlns="" xmlns:a14="http://schemas.microsoft.com/office/drawing/2010/main" w="9525">
+                <a14:hiddenLine xmlns:a14="http://schemas.microsoft.com/office/drawing/2010/main" xmlns="" w="9525">
                   <a:solidFill>
                     <a:srgbClr val="000000"/>
                   </a:solidFill>
@@ -4193,7 +4193,7 @@
             </a:ln>
             <a:extLst>
               <a:ext uri="{91240B29-F687-4f45-9708-019B960494DF}">
-                <a14:hiddenLine xmlns="" xmlns:a14="http://schemas.microsoft.com/office/drawing/2010/main" w="9525">
+                <a14:hiddenLine xmlns:a14="http://schemas.microsoft.com/office/drawing/2010/main" xmlns="" w="9525">
                   <a:solidFill>
                     <a:srgbClr val="000000"/>
                   </a:solidFill>
@@ -4283,7 +4283,7 @@
             </a:ln>
             <a:extLst>
               <a:ext uri="{91240B29-F687-4f45-9708-019B960494DF}">
-                <a14:hiddenLine xmlns="" xmlns:a14="http://schemas.microsoft.com/office/drawing/2010/main" w="9525">
+                <a14:hiddenLine xmlns:a14="http://schemas.microsoft.com/office/drawing/2010/main" xmlns="" w="9525">
                   <a:solidFill>
                     <a:srgbClr val="000000"/>
                   </a:solidFill>
@@ -4423,7 +4423,7 @@
           <a:p>
             <a:fld id="{4A22DADD-A53E-46F3-AA59-0BC9351FA685}" type="datetimeFigureOut">
               <a:rPr lang="nl-NL" smtClean="0"/>
-              <a:t>6-3-2025</a:t>
+              <a:t>20-3-2025</a:t>
             </a:fld>
             <a:endParaRPr lang="nl-NL"/>
           </a:p>
@@ -4690,7 +4690,7 @@
           <a:p>
             <a:fld id="{4A22DADD-A53E-46F3-AA59-0BC9351FA685}" type="datetimeFigureOut">
               <a:rPr lang="nl-NL" smtClean="0"/>
-              <a:t>6-3-2025</a:t>
+              <a:t>20-3-2025</a:t>
             </a:fld>
             <a:endParaRPr lang="nl-NL"/>
           </a:p>
@@ -4886,7 +4886,7 @@
           <a:p>
             <a:fld id="{4A22DADD-A53E-46F3-AA59-0BC9351FA685}" type="datetimeFigureOut">
               <a:rPr lang="nl-NL" smtClean="0"/>
-              <a:t>6-3-2025</a:t>
+              <a:t>20-3-2025</a:t>
             </a:fld>
             <a:endParaRPr lang="nl-NL"/>
           </a:p>
@@ -5149,7 +5149,7 @@
           <a:p>
             <a:fld id="{4A22DADD-A53E-46F3-AA59-0BC9351FA685}" type="datetimeFigureOut">
               <a:rPr lang="nl-NL" smtClean="0"/>
-              <a:t>6-3-2025</a:t>
+              <a:t>20-3-2025</a:t>
             </a:fld>
             <a:endParaRPr lang="nl-NL"/>
           </a:p>
@@ -5583,7 +5583,7 @@
           <a:p>
             <a:fld id="{4A22DADD-A53E-46F3-AA59-0BC9351FA685}" type="datetimeFigureOut">
               <a:rPr lang="nl-NL" smtClean="0"/>
-              <a:t>6-3-2025</a:t>
+              <a:t>20-3-2025</a:t>
             </a:fld>
             <a:endParaRPr lang="nl-NL"/>
           </a:p>
@@ -6129,7 +6129,7 @@
           <a:p>
             <a:fld id="{4A22DADD-A53E-46F3-AA59-0BC9351FA685}" type="datetimeFigureOut">
               <a:rPr lang="nl-NL" smtClean="0"/>
-              <a:t>6-3-2025</a:t>
+              <a:t>20-3-2025</a:t>
             </a:fld>
             <a:endParaRPr lang="nl-NL"/>
           </a:p>
@@ -6849,7 +6849,7 @@
           <a:p>
             <a:fld id="{4A22DADD-A53E-46F3-AA59-0BC9351FA685}" type="datetimeFigureOut">
               <a:rPr lang="nl-NL" smtClean="0"/>
-              <a:t>6-3-2025</a:t>
+              <a:t>20-3-2025</a:t>
             </a:fld>
             <a:endParaRPr lang="nl-NL"/>
           </a:p>
@@ -7019,7 +7019,7 @@
           <a:p>
             <a:fld id="{4A22DADD-A53E-46F3-AA59-0BC9351FA685}" type="datetimeFigureOut">
               <a:rPr lang="nl-NL" smtClean="0"/>
-              <a:t>6-3-2025</a:t>
+              <a:t>20-3-2025</a:t>
             </a:fld>
             <a:endParaRPr lang="nl-NL"/>
           </a:p>
@@ -7199,7 +7199,7 @@
           <a:p>
             <a:fld id="{4A22DADD-A53E-46F3-AA59-0BC9351FA685}" type="datetimeFigureOut">
               <a:rPr lang="nl-NL" smtClean="0"/>
-              <a:t>6-3-2025</a:t>
+              <a:t>20-3-2025</a:t>
             </a:fld>
             <a:endParaRPr lang="nl-NL"/>
           </a:p>
@@ -7369,7 +7369,7 @@
           <a:p>
             <a:fld id="{4A22DADD-A53E-46F3-AA59-0BC9351FA685}" type="datetimeFigureOut">
               <a:rPr lang="nl-NL" smtClean="0"/>
-              <a:t>6-3-2025</a:t>
+              <a:t>20-3-2025</a:t>
             </a:fld>
             <a:endParaRPr lang="nl-NL"/>
           </a:p>
@@ -7619,7 +7619,7 @@
           <a:p>
             <a:fld id="{4A22DADD-A53E-46F3-AA59-0BC9351FA685}" type="datetimeFigureOut">
               <a:rPr lang="nl-NL" smtClean="0"/>
-              <a:t>6-3-2025</a:t>
+              <a:t>20-3-2025</a:t>
             </a:fld>
             <a:endParaRPr lang="nl-NL"/>
           </a:p>
@@ -7851,7 +7851,7 @@
           <a:p>
             <a:fld id="{4A22DADD-A53E-46F3-AA59-0BC9351FA685}" type="datetimeFigureOut">
               <a:rPr lang="nl-NL" smtClean="0"/>
-              <a:t>6-3-2025</a:t>
+              <a:t>20-3-2025</a:t>
             </a:fld>
             <a:endParaRPr lang="nl-NL"/>
           </a:p>
@@ -8232,7 +8232,7 @@
           <a:p>
             <a:fld id="{4A22DADD-A53E-46F3-AA59-0BC9351FA685}" type="datetimeFigureOut">
               <a:rPr lang="nl-NL" smtClean="0"/>
-              <a:t>6-3-2025</a:t>
+              <a:t>20-3-2025</a:t>
             </a:fld>
             <a:endParaRPr lang="nl-NL"/>
           </a:p>
@@ -8350,7 +8350,7 @@
           <a:p>
             <a:fld id="{4A22DADD-A53E-46F3-AA59-0BC9351FA685}" type="datetimeFigureOut">
               <a:rPr lang="nl-NL" smtClean="0"/>
-              <a:t>6-3-2025</a:t>
+              <a:t>20-3-2025</a:t>
             </a:fld>
             <a:endParaRPr lang="nl-NL"/>
           </a:p>
@@ -8445,7 +8445,7 @@
           <a:p>
             <a:fld id="{4A22DADD-A53E-46F3-AA59-0BC9351FA685}" type="datetimeFigureOut">
               <a:rPr lang="nl-NL" smtClean="0"/>
-              <a:t>6-3-2025</a:t>
+              <a:t>20-3-2025</a:t>
             </a:fld>
             <a:endParaRPr lang="nl-NL"/>
           </a:p>
@@ -8694,7 +8694,7 @@
           <a:p>
             <a:fld id="{4A22DADD-A53E-46F3-AA59-0BC9351FA685}" type="datetimeFigureOut">
               <a:rPr lang="nl-NL" smtClean="0"/>
-              <a:t>6-3-2025</a:t>
+              <a:t>20-3-2025</a:t>
             </a:fld>
             <a:endParaRPr lang="nl-NL"/>
           </a:p>
@@ -8974,7 +8974,7 @@
           <a:p>
             <a:fld id="{4A22DADD-A53E-46F3-AA59-0BC9351FA685}" type="datetimeFigureOut">
               <a:rPr lang="nl-NL" smtClean="0"/>
-              <a:t>6-3-2025</a:t>
+              <a:t>20-3-2025</a:t>
             </a:fld>
             <a:endParaRPr lang="nl-NL"/>
           </a:p>
@@ -9090,7 +9090,7 @@
           <a:noFill/>
           <a:extLst>
             <a:ext uri="{909E8E84-426E-40dd-AFC4-6F175D3DCCD1}">
-              <a14:hiddenFill xmlns="" xmlns:a14="http://schemas.microsoft.com/office/drawing/2010/main">
+              <a14:hiddenFill xmlns:a14="http://schemas.microsoft.com/office/drawing/2010/main" xmlns="">
                 <a:solidFill>
                   <a:srgbClr val="FFFFFF"/>
                 </a:solidFill>
@@ -9164,7 +9164,7 @@
               </a:ln>
               <a:extLst>
                 <a:ext uri="{91240B29-F687-4f45-9708-019B960494DF}">
-                  <a14:hiddenLine xmlns="" xmlns:a14="http://schemas.microsoft.com/office/drawing/2010/main" w="9525">
+                  <a14:hiddenLine xmlns:a14="http://schemas.microsoft.com/office/drawing/2010/main" xmlns="" w="9525">
                     <a:solidFill>
                       <a:srgbClr val="000000"/>
                     </a:solidFill>
@@ -9254,7 +9254,7 @@
               </a:ln>
               <a:extLst>
                 <a:ext uri="{91240B29-F687-4f45-9708-019B960494DF}">
-                  <a14:hiddenLine xmlns="" xmlns:a14="http://schemas.microsoft.com/office/drawing/2010/main" w="9525">
+                  <a14:hiddenLine xmlns:a14="http://schemas.microsoft.com/office/drawing/2010/main" xmlns="" w="9525">
                     <a:solidFill>
                       <a:srgbClr val="000000"/>
                     </a:solidFill>
@@ -9344,7 +9344,7 @@
               </a:ln>
               <a:extLst>
                 <a:ext uri="{91240B29-F687-4f45-9708-019B960494DF}">
-                  <a14:hiddenLine xmlns="" xmlns:a14="http://schemas.microsoft.com/office/drawing/2010/main" w="9525">
+                  <a14:hiddenLine xmlns:a14="http://schemas.microsoft.com/office/drawing/2010/main" xmlns="" w="9525">
                     <a:solidFill>
                       <a:srgbClr val="000000"/>
                     </a:solidFill>
@@ -9406,7 +9406,7 @@
               </a:ln>
               <a:extLst>
                 <a:ext uri="{91240B29-F687-4f45-9708-019B960494DF}">
-                  <a14:hiddenLine xmlns="" xmlns:a14="http://schemas.microsoft.com/office/drawing/2010/main" w="9525">
+                  <a14:hiddenLine xmlns:a14="http://schemas.microsoft.com/office/drawing/2010/main" xmlns="" w="9525">
                     <a:solidFill>
                       <a:srgbClr val="000000"/>
                     </a:solidFill>
@@ -9496,7 +9496,7 @@
               </a:ln>
               <a:extLst>
                 <a:ext uri="{91240B29-F687-4f45-9708-019B960494DF}">
-                  <a14:hiddenLine xmlns="" xmlns:a14="http://schemas.microsoft.com/office/drawing/2010/main" w="9525">
+                  <a14:hiddenLine xmlns:a14="http://schemas.microsoft.com/office/drawing/2010/main" xmlns="" w="9525">
                     <a:solidFill>
                       <a:srgbClr val="000000"/>
                     </a:solidFill>
@@ -9558,7 +9558,7 @@
               </a:ln>
               <a:extLst>
                 <a:ext uri="{91240B29-F687-4f45-9708-019B960494DF}">
-                  <a14:hiddenLine xmlns="" xmlns:a14="http://schemas.microsoft.com/office/drawing/2010/main" w="9525">
+                  <a14:hiddenLine xmlns:a14="http://schemas.microsoft.com/office/drawing/2010/main" xmlns="" w="9525">
                     <a:solidFill>
                       <a:srgbClr val="000000"/>
                     </a:solidFill>
@@ -9620,7 +9620,7 @@
               </a:ln>
               <a:extLst>
                 <a:ext uri="{91240B29-F687-4f45-9708-019B960494DF}">
-                  <a14:hiddenLine xmlns="" xmlns:a14="http://schemas.microsoft.com/office/drawing/2010/main" w="9525">
+                  <a14:hiddenLine xmlns:a14="http://schemas.microsoft.com/office/drawing/2010/main" xmlns="" w="9525">
                     <a:solidFill>
                       <a:srgbClr val="000000"/>
                     </a:solidFill>
@@ -9710,7 +9710,7 @@
               </a:ln>
               <a:extLst>
                 <a:ext uri="{91240B29-F687-4f45-9708-019B960494DF}">
-                  <a14:hiddenLine xmlns="" xmlns:a14="http://schemas.microsoft.com/office/drawing/2010/main" w="9525">
+                  <a14:hiddenLine xmlns:a14="http://schemas.microsoft.com/office/drawing/2010/main" xmlns="" w="9525">
                     <a:solidFill>
                       <a:srgbClr val="000000"/>
                     </a:solidFill>
@@ -9800,7 +9800,7 @@
               </a:ln>
               <a:extLst>
                 <a:ext uri="{91240B29-F687-4f45-9708-019B960494DF}">
-                  <a14:hiddenLine xmlns="" xmlns:a14="http://schemas.microsoft.com/office/drawing/2010/main" w="9525">
+                  <a14:hiddenLine xmlns:a14="http://schemas.microsoft.com/office/drawing/2010/main" xmlns="" w="9525">
                     <a:solidFill>
                       <a:srgbClr val="000000"/>
                     </a:solidFill>
@@ -9862,7 +9862,7 @@
               </a:ln>
               <a:extLst>
                 <a:ext uri="{91240B29-F687-4f45-9708-019B960494DF}">
-                  <a14:hiddenLine xmlns="" xmlns:a14="http://schemas.microsoft.com/office/drawing/2010/main" w="9525">
+                  <a14:hiddenLine xmlns:a14="http://schemas.microsoft.com/office/drawing/2010/main" xmlns="" w="9525">
                     <a:solidFill>
                       <a:srgbClr val="000000"/>
                     </a:solidFill>
@@ -9972,7 +9972,7 @@
               </a:ln>
               <a:extLst>
                 <a:ext uri="{91240B29-F687-4f45-9708-019B960494DF}">
-                  <a14:hiddenLine xmlns="" xmlns:a14="http://schemas.microsoft.com/office/drawing/2010/main" w="9525">
+                  <a14:hiddenLine xmlns:a14="http://schemas.microsoft.com/office/drawing/2010/main" xmlns="" w="9525">
                     <a:solidFill>
                       <a:srgbClr val="000000"/>
                     </a:solidFill>
@@ -10056,7 +10056,7 @@
               </a:ln>
               <a:extLst>
                 <a:ext uri="{91240B29-F687-4f45-9708-019B960494DF}">
-                  <a14:hiddenLine xmlns="" xmlns:a14="http://schemas.microsoft.com/office/drawing/2010/main" w="9525">
+                  <a14:hiddenLine xmlns:a14="http://schemas.microsoft.com/office/drawing/2010/main" xmlns="" w="9525">
                     <a:solidFill>
                       <a:srgbClr val="000000"/>
                     </a:solidFill>
@@ -10118,7 +10118,7 @@
               </a:ln>
               <a:extLst>
                 <a:ext uri="{91240B29-F687-4f45-9708-019B960494DF}">
-                  <a14:hiddenLine xmlns="" xmlns:a14="http://schemas.microsoft.com/office/drawing/2010/main" w="9525">
+                  <a14:hiddenLine xmlns:a14="http://schemas.microsoft.com/office/drawing/2010/main" xmlns="" w="9525">
                     <a:solidFill>
                       <a:srgbClr val="000000"/>
                     </a:solidFill>
@@ -10180,7 +10180,7 @@
               </a:ln>
               <a:extLst>
                 <a:ext uri="{91240B29-F687-4f45-9708-019B960494DF}">
-                  <a14:hiddenLine xmlns="" xmlns:a14="http://schemas.microsoft.com/office/drawing/2010/main" w="9525">
+                  <a14:hiddenLine xmlns:a14="http://schemas.microsoft.com/office/drawing/2010/main" xmlns="" w="9525">
                     <a:solidFill>
                       <a:srgbClr val="000000"/>
                     </a:solidFill>
@@ -10270,7 +10270,7 @@
               </a:ln>
               <a:extLst>
                 <a:ext uri="{91240B29-F687-4f45-9708-019B960494DF}">
-                  <a14:hiddenLine xmlns="" xmlns:a14="http://schemas.microsoft.com/office/drawing/2010/main" w="9525">
+                  <a14:hiddenLine xmlns:a14="http://schemas.microsoft.com/office/drawing/2010/main" xmlns="" w="9525">
                     <a:solidFill>
                       <a:srgbClr val="000000"/>
                     </a:solidFill>
@@ -10304,7 +10304,7 @@
               </a:ln>
               <a:extLst>
                 <a:ext uri="{91240B29-F687-4f45-9708-019B960494DF}">
-                  <a14:hiddenLine xmlns="" xmlns:a14="http://schemas.microsoft.com/office/drawing/2010/main" w="9525">
+                  <a14:hiddenLine xmlns:a14="http://schemas.microsoft.com/office/drawing/2010/main" xmlns="" w="9525">
                     <a:solidFill>
                       <a:srgbClr val="000000"/>
                     </a:solidFill>
@@ -10369,7 +10369,7 @@
               </a:ln>
               <a:extLst>
                 <a:ext uri="{91240B29-F687-4f45-9708-019B960494DF}">
-                  <a14:hiddenLine xmlns="" xmlns:a14="http://schemas.microsoft.com/office/drawing/2010/main" w="9525">
+                  <a14:hiddenLine xmlns:a14="http://schemas.microsoft.com/office/drawing/2010/main" xmlns="" w="9525">
                     <a:solidFill>
                       <a:srgbClr val="000000"/>
                     </a:solidFill>
@@ -10459,7 +10459,7 @@
               </a:ln>
               <a:extLst>
                 <a:ext uri="{91240B29-F687-4f45-9708-019B960494DF}">
-                  <a14:hiddenLine xmlns="" xmlns:a14="http://schemas.microsoft.com/office/drawing/2010/main" w="9525">
+                  <a14:hiddenLine xmlns:a14="http://schemas.microsoft.com/office/drawing/2010/main" xmlns="" w="9525">
                     <a:solidFill>
                       <a:srgbClr val="000000"/>
                     </a:solidFill>
@@ -10521,7 +10521,7 @@
               </a:ln>
               <a:extLst>
                 <a:ext uri="{91240B29-F687-4f45-9708-019B960494DF}">
-                  <a14:hiddenLine xmlns="" xmlns:a14="http://schemas.microsoft.com/office/drawing/2010/main" w="9525">
+                  <a14:hiddenLine xmlns:a14="http://schemas.microsoft.com/office/drawing/2010/main" xmlns="" w="9525">
                     <a:solidFill>
                       <a:srgbClr val="000000"/>
                     </a:solidFill>
@@ -10611,7 +10611,7 @@
               </a:ln>
               <a:extLst>
                 <a:ext uri="{91240B29-F687-4f45-9708-019B960494DF}">
-                  <a14:hiddenLine xmlns="" xmlns:a14="http://schemas.microsoft.com/office/drawing/2010/main" w="9525">
+                  <a14:hiddenLine xmlns:a14="http://schemas.microsoft.com/office/drawing/2010/main" xmlns="" w="9525">
                     <a:solidFill>
                       <a:srgbClr val="000000"/>
                     </a:solidFill>
@@ -10676,7 +10676,7 @@
               </a:ln>
               <a:extLst>
                 <a:ext uri="{91240B29-F687-4f45-9708-019B960494DF}">
-                  <a14:hiddenLine xmlns="" xmlns:a14="http://schemas.microsoft.com/office/drawing/2010/main" w="9525">
+                  <a14:hiddenLine xmlns:a14="http://schemas.microsoft.com/office/drawing/2010/main" xmlns="" w="9525">
                     <a:solidFill>
                       <a:srgbClr val="000000"/>
                     </a:solidFill>
@@ -10738,7 +10738,7 @@
               </a:ln>
               <a:extLst>
                 <a:ext uri="{91240B29-F687-4f45-9708-019B960494DF}">
-                  <a14:hiddenLine xmlns="" xmlns:a14="http://schemas.microsoft.com/office/drawing/2010/main" w="9525">
+                  <a14:hiddenLine xmlns:a14="http://schemas.microsoft.com/office/drawing/2010/main" xmlns="" w="9525">
                     <a:solidFill>
                       <a:srgbClr val="000000"/>
                     </a:solidFill>
@@ -10828,7 +10828,7 @@
               </a:ln>
               <a:extLst>
                 <a:ext uri="{91240B29-F687-4f45-9708-019B960494DF}">
-                  <a14:hiddenLine xmlns="" xmlns:a14="http://schemas.microsoft.com/office/drawing/2010/main" w="9525">
+                  <a14:hiddenLine xmlns:a14="http://schemas.microsoft.com/office/drawing/2010/main" xmlns="" w="9525">
                     <a:solidFill>
                       <a:srgbClr val="000000"/>
                     </a:solidFill>
@@ -10918,7 +10918,7 @@
               </a:ln>
               <a:extLst>
                 <a:ext uri="{91240B29-F687-4f45-9708-019B960494DF}">
-                  <a14:hiddenLine xmlns="" xmlns:a14="http://schemas.microsoft.com/office/drawing/2010/main" w="9525">
+                  <a14:hiddenLine xmlns:a14="http://schemas.microsoft.com/office/drawing/2010/main" xmlns="" w="9525">
                     <a:solidFill>
                       <a:srgbClr val="000000"/>
                     </a:solidFill>
@@ -10983,7 +10983,7 @@
               </a:ln>
               <a:extLst>
                 <a:ext uri="{91240B29-F687-4f45-9708-019B960494DF}">
-                  <a14:hiddenLine xmlns="" xmlns:a14="http://schemas.microsoft.com/office/drawing/2010/main" w="9525">
+                  <a14:hiddenLine xmlns:a14="http://schemas.microsoft.com/office/drawing/2010/main" xmlns="" w="9525">
                     <a:solidFill>
                       <a:srgbClr val="000000"/>
                     </a:solidFill>
@@ -11103,7 +11103,7 @@
               </a:ln>
               <a:extLst>
                 <a:ext uri="{91240B29-F687-4f45-9708-019B960494DF}">
-                  <a14:hiddenLine xmlns="" xmlns:a14="http://schemas.microsoft.com/office/drawing/2010/main" w="9525">
+                  <a14:hiddenLine xmlns:a14="http://schemas.microsoft.com/office/drawing/2010/main" xmlns="" w="9525">
                     <a:solidFill>
                       <a:srgbClr val="000000"/>
                     </a:solidFill>
@@ -11201,7 +11201,7 @@
               </a:ln>
               <a:extLst>
                 <a:ext uri="{91240B29-F687-4f45-9708-019B960494DF}">
-                  <a14:hiddenLine xmlns="" xmlns:a14="http://schemas.microsoft.com/office/drawing/2010/main" w="9525">
+                  <a14:hiddenLine xmlns:a14="http://schemas.microsoft.com/office/drawing/2010/main" xmlns="" w="9525">
                     <a:solidFill>
                       <a:srgbClr val="000000"/>
                     </a:solidFill>
@@ -11316,7 +11316,7 @@
               </a:ln>
               <a:extLst>
                 <a:ext uri="{91240B29-F687-4f45-9708-019B960494DF}">
-                  <a14:hiddenLine xmlns="" xmlns:a14="http://schemas.microsoft.com/office/drawing/2010/main" w="9525">
+                  <a14:hiddenLine xmlns:a14="http://schemas.microsoft.com/office/drawing/2010/main" xmlns="" w="9525">
                     <a:solidFill>
                       <a:srgbClr val="000000"/>
                     </a:solidFill>
@@ -11406,7 +11406,7 @@
               </a:ln>
               <a:extLst>
                 <a:ext uri="{91240B29-F687-4f45-9708-019B960494DF}">
-                  <a14:hiddenLine xmlns="" xmlns:a14="http://schemas.microsoft.com/office/drawing/2010/main" w="9525">
+                  <a14:hiddenLine xmlns:a14="http://schemas.microsoft.com/office/drawing/2010/main" xmlns="" w="9525">
                     <a:solidFill>
                       <a:srgbClr val="000000"/>
                     </a:solidFill>
@@ -11471,7 +11471,7 @@
               </a:ln>
               <a:extLst>
                 <a:ext uri="{91240B29-F687-4f45-9708-019B960494DF}">
-                  <a14:hiddenLine xmlns="" xmlns:a14="http://schemas.microsoft.com/office/drawing/2010/main" w="9525">
+                  <a14:hiddenLine xmlns:a14="http://schemas.microsoft.com/office/drawing/2010/main" xmlns="" w="9525">
                     <a:solidFill>
                       <a:srgbClr val="000000"/>
                     </a:solidFill>
@@ -11561,7 +11561,7 @@
               </a:ln>
               <a:extLst>
                 <a:ext uri="{91240B29-F687-4f45-9708-019B960494DF}">
-                  <a14:hiddenLine xmlns="" xmlns:a14="http://schemas.microsoft.com/office/drawing/2010/main" w="9525">
+                  <a14:hiddenLine xmlns:a14="http://schemas.microsoft.com/office/drawing/2010/main" xmlns="" w="9525">
                     <a:solidFill>
                       <a:srgbClr val="000000"/>
                     </a:solidFill>
@@ -11629,7 +11629,7 @@
               </a:ln>
               <a:extLst>
                 <a:ext uri="{91240B29-F687-4f45-9708-019B960494DF}">
-                  <a14:hiddenLine xmlns="" xmlns:a14="http://schemas.microsoft.com/office/drawing/2010/main" w="9525">
+                  <a14:hiddenLine xmlns:a14="http://schemas.microsoft.com/office/drawing/2010/main" xmlns="" w="9525">
                     <a:solidFill>
                       <a:srgbClr val="000000"/>
                     </a:solidFill>
@@ -11719,7 +11719,7 @@
               </a:ln>
               <a:extLst>
                 <a:ext uri="{91240B29-F687-4f45-9708-019B960494DF}">
-                  <a14:hiddenLine xmlns="" xmlns:a14="http://schemas.microsoft.com/office/drawing/2010/main" w="9525">
+                  <a14:hiddenLine xmlns:a14="http://schemas.microsoft.com/office/drawing/2010/main" xmlns="" w="9525">
                     <a:solidFill>
                       <a:srgbClr val="000000"/>
                     </a:solidFill>
@@ -11787,7 +11787,7 @@
               </a:ln>
               <a:extLst>
                 <a:ext uri="{91240B29-F687-4f45-9708-019B960494DF}">
-                  <a14:hiddenLine xmlns="" xmlns:a14="http://schemas.microsoft.com/office/drawing/2010/main" w="9525">
+                  <a14:hiddenLine xmlns:a14="http://schemas.microsoft.com/office/drawing/2010/main" xmlns="" w="9525">
                     <a:solidFill>
                       <a:srgbClr val="000000"/>
                     </a:solidFill>
@@ -11877,7 +11877,7 @@
               </a:ln>
               <a:extLst>
                 <a:ext uri="{91240B29-F687-4f45-9708-019B960494DF}">
-                  <a14:hiddenLine xmlns="" xmlns:a14="http://schemas.microsoft.com/office/drawing/2010/main" w="9525">
+                  <a14:hiddenLine xmlns:a14="http://schemas.microsoft.com/office/drawing/2010/main" xmlns="" w="9525">
                     <a:solidFill>
                       <a:srgbClr val="000000"/>
                     </a:solidFill>
@@ -11911,7 +11911,7 @@
               </a:ln>
               <a:extLst>
                 <a:ext uri="{91240B29-F687-4f45-9708-019B960494DF}">
-                  <a14:hiddenLine xmlns="" xmlns:a14="http://schemas.microsoft.com/office/drawing/2010/main" w="9525">
+                  <a14:hiddenLine xmlns:a14="http://schemas.microsoft.com/office/drawing/2010/main" xmlns="" w="9525">
                     <a:solidFill>
                       <a:srgbClr val="000000"/>
                     </a:solidFill>
@@ -12051,7 +12051,7 @@
           <a:p>
             <a:fld id="{4A22DADD-A53E-46F3-AA59-0BC9351FA685}" type="datetimeFigureOut">
               <a:rPr lang="nl-NL" smtClean="0"/>
-              <a:t>6-3-2025</a:t>
+              <a:t>20-3-2025</a:t>
             </a:fld>
             <a:endParaRPr lang="nl-NL"/>
           </a:p>
@@ -13131,13 +13131,8 @@
           <a:p>
             <a:r>
               <a:rPr lang="nl-NL" dirty="0"/>
-              <a:t>Schets </a:t>
+              <a:t>Schets interface design</a:t>
             </a:r>
-            <a:r>
-              <a:rPr lang="nl-NL"/>
-              <a:t>interface design</a:t>
-            </a:r>
-            <a:endParaRPr lang="nl-NL" dirty="0"/>
           </a:p>
           <a:p>
             <a:endParaRPr lang="nl-NL" dirty="0"/>
